--- a/RestSample/java-docs/Java-adva/速成班讲义-6.pptx
+++ b/RestSample/java-docs/Java-adva/速成班讲义-6.pptx
@@ -305,7 +305,7 @@
           <a:p>
             <a:fld id="{A4657C70-6C77-4BAA-8198-78B080AEE7B6}" type="datetimeFigureOut">
               <a:rPr lang="en-CA" smtClean="0"/>
-              <a:t>01/08/2017</a:t>
+              <a:t>21/08/2017</a:t>
             </a:fld>
             <a:endParaRPr lang="en-CA"/>
           </a:p>
@@ -475,7 +475,7 @@
           <a:p>
             <a:fld id="{A4657C70-6C77-4BAA-8198-78B080AEE7B6}" type="datetimeFigureOut">
               <a:rPr lang="en-CA" smtClean="0"/>
-              <a:t>01/08/2017</a:t>
+              <a:t>21/08/2017</a:t>
             </a:fld>
             <a:endParaRPr lang="en-CA"/>
           </a:p>
@@ -655,7 +655,7 @@
           <a:p>
             <a:fld id="{A4657C70-6C77-4BAA-8198-78B080AEE7B6}" type="datetimeFigureOut">
               <a:rPr lang="en-CA" smtClean="0"/>
-              <a:t>01/08/2017</a:t>
+              <a:t>21/08/2017</a:t>
             </a:fld>
             <a:endParaRPr lang="en-CA"/>
           </a:p>
@@ -825,7 +825,7 @@
           <a:p>
             <a:fld id="{A4657C70-6C77-4BAA-8198-78B080AEE7B6}" type="datetimeFigureOut">
               <a:rPr lang="en-CA" smtClean="0"/>
-              <a:t>01/08/2017</a:t>
+              <a:t>21/08/2017</a:t>
             </a:fld>
             <a:endParaRPr lang="en-CA"/>
           </a:p>
@@ -1071,7 +1071,7 @@
           <a:p>
             <a:fld id="{A4657C70-6C77-4BAA-8198-78B080AEE7B6}" type="datetimeFigureOut">
               <a:rPr lang="en-CA" smtClean="0"/>
-              <a:t>01/08/2017</a:t>
+              <a:t>21/08/2017</a:t>
             </a:fld>
             <a:endParaRPr lang="en-CA"/>
           </a:p>
@@ -1303,7 +1303,7 @@
           <a:p>
             <a:fld id="{A4657C70-6C77-4BAA-8198-78B080AEE7B6}" type="datetimeFigureOut">
               <a:rPr lang="en-CA" smtClean="0"/>
-              <a:t>01/08/2017</a:t>
+              <a:t>21/08/2017</a:t>
             </a:fld>
             <a:endParaRPr lang="en-CA"/>
           </a:p>
@@ -1670,7 +1670,7 @@
           <a:p>
             <a:fld id="{A4657C70-6C77-4BAA-8198-78B080AEE7B6}" type="datetimeFigureOut">
               <a:rPr lang="en-CA" smtClean="0"/>
-              <a:t>01/08/2017</a:t>
+              <a:t>21/08/2017</a:t>
             </a:fld>
             <a:endParaRPr lang="en-CA"/>
           </a:p>
@@ -1788,7 +1788,7 @@
           <a:p>
             <a:fld id="{A4657C70-6C77-4BAA-8198-78B080AEE7B6}" type="datetimeFigureOut">
               <a:rPr lang="en-CA" smtClean="0"/>
-              <a:t>01/08/2017</a:t>
+              <a:t>21/08/2017</a:t>
             </a:fld>
             <a:endParaRPr lang="en-CA"/>
           </a:p>
@@ -1883,7 +1883,7 @@
           <a:p>
             <a:fld id="{A4657C70-6C77-4BAA-8198-78B080AEE7B6}" type="datetimeFigureOut">
               <a:rPr lang="en-CA" smtClean="0"/>
-              <a:t>01/08/2017</a:t>
+              <a:t>21/08/2017</a:t>
             </a:fld>
             <a:endParaRPr lang="en-CA"/>
           </a:p>
@@ -2160,7 +2160,7 @@
           <a:p>
             <a:fld id="{A4657C70-6C77-4BAA-8198-78B080AEE7B6}" type="datetimeFigureOut">
               <a:rPr lang="en-CA" smtClean="0"/>
-              <a:t>01/08/2017</a:t>
+              <a:t>21/08/2017</a:t>
             </a:fld>
             <a:endParaRPr lang="en-CA"/>
           </a:p>
@@ -2413,7 +2413,7 @@
           <a:p>
             <a:fld id="{A4657C70-6C77-4BAA-8198-78B080AEE7B6}" type="datetimeFigureOut">
               <a:rPr lang="en-CA" smtClean="0"/>
-              <a:t>01/08/2017</a:t>
+              <a:t>21/08/2017</a:t>
             </a:fld>
             <a:endParaRPr lang="en-CA"/>
           </a:p>
@@ -2626,7 +2626,7 @@
           <a:p>
             <a:fld id="{A4657C70-6C77-4BAA-8198-78B080AEE7B6}" type="datetimeFigureOut">
               <a:rPr lang="en-CA" smtClean="0"/>
-              <a:t>01/08/2017</a:t>
+              <a:t>21/08/2017</a:t>
             </a:fld>
             <a:endParaRPr lang="en-CA"/>
           </a:p>
@@ -5513,7 +5513,6 @@
               <a:rPr lang="en-CA" sz="1800" dirty="0"/>
               <a:t>page &lt; request &lt; session &lt; application.</a:t>
             </a:r>
-            <a:endParaRPr lang="en-CA" sz="1800" dirty="0"/>
           </a:p>
         </p:txBody>
       </p:sp>
@@ -9111,12 +9110,12 @@
           <a:p>
             <a:pPr algn="l"/>
             <a:r>
-              <a:rPr lang="en-US" altLang="zh-CN" sz="1800" dirty="0" err="1"/>
-              <a:t>nterprise</a:t>
-            </a:r>
-            <a:r>
-              <a:rPr lang="en-US" altLang="zh-CN" sz="1800" dirty="0"/>
-              <a:t> JavaBeans(EJB)</a:t>
+              <a:rPr lang="en-US" altLang="zh-CN" sz="1800" dirty="0" smtClean="0"/>
+              <a:t>Enterprise </a:t>
+            </a:r>
+            <a:r>
+              <a:rPr lang="en-US" altLang="zh-CN" sz="1800" dirty="0"/>
+              <a:t>JavaBeans(EJB)</a:t>
             </a:r>
             <a:r>
               <a:rPr lang="zh-CN" altLang="en-US" sz="1800" dirty="0"/>
@@ -9266,7 +9265,6 @@
               <a:rPr lang="en-US" altLang="zh-CN" sz="3200" b="1" dirty="0" smtClean="0"/>
               <a:t>EJB</a:t>
             </a:r>
-            <a:endParaRPr lang="en-US" altLang="zh-CN" sz="3200" b="1" dirty="0" smtClean="0"/>
           </a:p>
           <a:p>
             <a:pPr algn="l"/>
@@ -9280,17 +9278,12 @@
             <a:pPr algn="l"/>
             <a:r>
               <a:rPr lang="en-US" altLang="zh-CN" dirty="0" err="1" smtClean="0"/>
-              <a:t>Jsp</a:t>
-            </a:r>
-            <a:r>
-              <a:rPr lang="en-US" altLang="zh-CN" dirty="0" err="1" smtClean="0"/>
-              <a:t>+java</a:t>
+              <a:t>Jsp+java</a:t>
             </a:r>
             <a:r>
               <a:rPr lang="en-US" altLang="zh-CN" dirty="0" smtClean="0"/>
               <a:t> bean</a:t>
             </a:r>
-            <a:endParaRPr lang="en-US" altLang="zh-CN" dirty="0" smtClean="0"/>
           </a:p>
           <a:p>
             <a:pPr algn="l"/>
@@ -9721,7 +9714,23 @@
             </a:r>
             <a:r>
               <a:rPr lang="zh-CN" altLang="en-US" sz="1800" dirty="0"/>
-              <a:t>技术的本质就是构建对象的技术换句话说就是将一个类实例化成对象的技术，在</a:t>
+              <a:t>技术的本质就是构建对象的技</a:t>
+            </a:r>
+            <a:r>
+              <a:rPr lang="zh-CN" altLang="en-US" sz="1800" dirty="0" smtClean="0"/>
+              <a:t>术</a:t>
+            </a:r>
+            <a:r>
+              <a:rPr lang="en-CA" altLang="zh-CN" sz="1800" dirty="0" smtClean="0"/>
+              <a:t>,</a:t>
+            </a:r>
+            <a:r>
+              <a:rPr lang="zh-CN" altLang="en-US" sz="1800" dirty="0" smtClean="0"/>
+              <a:t>换</a:t>
+            </a:r>
+            <a:r>
+              <a:rPr lang="zh-CN" altLang="en-US" sz="1800" dirty="0"/>
+              <a:t>句话说就是将一个类实例化成对象的技术，在</a:t>
             </a:r>
             <a:r>
               <a:rPr lang="en-US" altLang="zh-CN" sz="1800" dirty="0"/>
@@ -9760,8 +9769,20 @@
           <a:p>
             <a:pPr algn="l"/>
             <a:r>
-              <a:rPr lang="zh-CN" altLang="en-US" sz="1800" dirty="0"/>
-              <a:t>。面向对象编程里对象相当于显示生活中的一个实体，例如我们有个对象作用是完成打猎的操作，那么打猎这个对象内部包含两个辅助对象：人和枪，只有人和枪赋予了打猎这个对象，那么打猎对象才能完成打猎的操作，但是构建一个人和枪的对象并不是看起来那么简单，这里以枪为例，要创造一把枪我们需要金属，需要机床，需要子弹，而机床和子弹又是两个新对象，这些对象一个个相互嵌套相互关联，大伙试想下如果我们在</a:t>
+              <a:rPr lang="zh-CN" altLang="en-US" sz="1800" dirty="0" smtClean="0"/>
+              <a:t>面</a:t>
+            </a:r>
+            <a:r>
+              <a:rPr lang="zh-CN" altLang="en-US" sz="1800" dirty="0"/>
+              <a:t>向对象编程里对象相当于显示生活中的一个实体，例如我们有个对象作用是完成打猎的操作，那么打猎这个对象内部包含两个辅助对象：人和枪，只有人和枪赋予了打猎这个对象，那么打猎对象才能完成打猎的操作，但是构建一个人和枪的对象并不是看起来那么简单，这里以枪为例，要创造一把枪我们需要金属，需要机床，需要子弹，而机床和子弹又是两个新对象，这些对象一个个相互嵌套相互关联</a:t>
+            </a:r>
+            <a:r>
+              <a:rPr lang="zh-CN" altLang="en-US" sz="1800" dirty="0" smtClean="0"/>
+              <a:t>，试</a:t>
+            </a:r>
+            <a:r>
+              <a:rPr lang="zh-CN" altLang="en-US" sz="1800" dirty="0"/>
+              <a:t>想下如果我们在</a:t>
             </a:r>
             <a:r>
               <a:rPr lang="en-US" altLang="zh-CN" sz="1800" dirty="0"/>
@@ -9881,7 +9902,23 @@
             </a:r>
             <a:r>
               <a:rPr lang="zh-CN" altLang="en-US" sz="1800" dirty="0"/>
-              <a:t>程序里构建对象的功能交由容器接管，依赖注入就是当程序要使用某个对象时候，容器会把它注入到程序里，这就叫做依赖注入。在</a:t>
+              <a:t>程序里构建对象的功能交由容器接管，依赖注入就是当程序要使用某个对象时候，容器会把它注入到程序里，这就叫做依赖注入</a:t>
+            </a:r>
+            <a:r>
+              <a:rPr lang="zh-CN" altLang="en-US" sz="1800" dirty="0" smtClean="0"/>
+              <a:t>。</a:t>
+            </a:r>
+            <a:endParaRPr lang="en-CA" altLang="zh-CN" sz="1800" dirty="0" smtClean="0"/>
+          </a:p>
+          <a:p>
+            <a:pPr algn="l"/>
+            <a:endParaRPr lang="en-CA" altLang="zh-CN" sz="1800" dirty="0"/>
+          </a:p>
+          <a:p>
+            <a:pPr algn="l"/>
+            <a:r>
+              <a:rPr lang="zh-CN" altLang="en-US" sz="1800" dirty="0" smtClean="0"/>
+              <a:t>在</a:t>
             </a:r>
             <a:r>
               <a:rPr lang="en-US" altLang="zh-CN" sz="1800" dirty="0"/>
@@ -9889,7 +9926,47 @@
             </a:r>
             <a:r>
               <a:rPr lang="zh-CN" altLang="en-US" sz="1800" dirty="0"/>
-              <a:t>开发里我们想使用某个类提供的功能，有两种方式，一种就是构造一个新的类，新的类继承该类，另一种方式则是将某个类定义在新类里，那么两个类之间就建立一种关联关系，</a:t>
+              <a:t>开发</a:t>
+            </a:r>
+            <a:r>
+              <a:rPr lang="zh-CN" altLang="en-US" sz="1800" dirty="0" smtClean="0"/>
+              <a:t>里想</a:t>
+            </a:r>
+            <a:r>
+              <a:rPr lang="zh-CN" altLang="en-US" sz="1800" dirty="0"/>
+              <a:t>使用某个类提供的功能，有两种方</a:t>
+            </a:r>
+            <a:r>
+              <a:rPr lang="zh-CN" altLang="en-US" sz="1800" dirty="0" smtClean="0"/>
+              <a:t>式</a:t>
+            </a:r>
+            <a:endParaRPr lang="en-CA" altLang="zh-CN" sz="1800" dirty="0" smtClean="0"/>
+          </a:p>
+          <a:p>
+            <a:pPr algn="l"/>
+            <a:r>
+              <a:rPr lang="zh-CN" altLang="en-US" sz="1800" dirty="0" smtClean="0"/>
+              <a:t>一</a:t>
+            </a:r>
+            <a:r>
+              <a:rPr lang="zh-CN" altLang="en-US" sz="1800" dirty="0"/>
+              <a:t>种就是构造一个新的类，新的类继承该</a:t>
+            </a:r>
+            <a:r>
+              <a:rPr lang="zh-CN" altLang="en-US" sz="1800" dirty="0" smtClean="0"/>
+              <a:t>类</a:t>
+            </a:r>
+            <a:endParaRPr lang="en-CA" altLang="zh-CN" sz="1800" dirty="0" smtClean="0"/>
+          </a:p>
+          <a:p>
+            <a:pPr algn="l"/>
+            <a:r>
+              <a:rPr lang="zh-CN" altLang="en-US" sz="1800" dirty="0" smtClean="0"/>
+              <a:t>另</a:t>
+            </a:r>
+            <a:r>
+              <a:rPr lang="zh-CN" altLang="en-US" sz="1800" dirty="0"/>
+              <a:t>一种方式则是将某个类定义在新类里，那么两个类之间就建立一种关联关系，</a:t>
             </a:r>
             <a:r>
               <a:rPr lang="en-US" altLang="zh-CN" sz="1800" dirty="0"/>
@@ -9913,7 +9990,23 @@
             </a:r>
             <a:r>
               <a:rPr lang="zh-CN" altLang="en-US" sz="1800" dirty="0"/>
-              <a:t>那么某个类要被赋予到新类有哪些办法了？一般只有两种：一种就是通过构造函数，一种就是通过</a:t>
+              <a:t>那么某个类要被赋予到新类有哪些办法了</a:t>
+            </a:r>
+            <a:r>
+              <a:rPr lang="zh-CN" altLang="en-US" sz="1800" dirty="0" smtClean="0"/>
+              <a:t>？</a:t>
+            </a:r>
+            <a:endParaRPr lang="en-CA" altLang="zh-CN" sz="1800" dirty="0" smtClean="0"/>
+          </a:p>
+          <a:p>
+            <a:pPr algn="l"/>
+            <a:r>
+              <a:rPr lang="zh-CN" altLang="en-US" sz="1800" dirty="0" smtClean="0"/>
+              <a:t>一</a:t>
+            </a:r>
+            <a:r>
+              <a:rPr lang="zh-CN" altLang="en-US" sz="1800" dirty="0"/>
+              <a:t>般只有两种：一种就是通过构造函数，一种就是通过</a:t>
             </a:r>
             <a:r>
               <a:rPr lang="en-US" altLang="zh-CN" sz="1800" dirty="0" err="1"/>
@@ -10103,7 +10196,6 @@
               <a:rPr lang="en-CA" sz="1800" dirty="0"/>
               <a:t>}</a:t>
             </a:r>
-            <a:endParaRPr lang="en-CA" sz="1800" dirty="0"/>
           </a:p>
         </p:txBody>
       </p:sp>
@@ -10258,7 +10350,6 @@
               <a:rPr lang="en-CA" sz="1800" dirty="0"/>
               <a:t>}</a:t>
             </a:r>
-            <a:endParaRPr lang="en-CA" sz="1800" dirty="0"/>
           </a:p>
         </p:txBody>
       </p:sp>
@@ -10429,7 +10520,6 @@
               <a:rPr lang="en-CA" sz="1800" dirty="0"/>
               <a:t>}</a:t>
             </a:r>
-            <a:endParaRPr lang="en-CA" sz="1800" dirty="0"/>
           </a:p>
         </p:txBody>
       </p:sp>
@@ -10688,7 +10778,6 @@
               <a:rPr lang="en-CA" sz="1800" dirty="0"/>
               <a:t>&lt;/beans&gt;</a:t>
             </a:r>
-            <a:endParaRPr lang="en-CA" sz="1800" dirty="0"/>
           </a:p>
         </p:txBody>
       </p:sp>
@@ -10937,7 +11026,6 @@
               <a:rPr lang="en-CA" sz="1800" dirty="0"/>
               <a:t>}</a:t>
             </a:r>
-            <a:endParaRPr lang="en-CA" sz="1800" dirty="0"/>
           </a:p>
         </p:txBody>
       </p:sp>
@@ -11023,7 +11111,23 @@
             </a:r>
             <a:r>
               <a:rPr lang="zh-CN" altLang="en-US" sz="1800" dirty="0"/>
-              <a:t>用白话来讲，就是由容器控制程序之间的（依赖）关系，而非传统实现中，由程序代码直接操控。这也就是所谓“控制反转”的概念所在：（依赖）控制权由应用代码中转到了外部容器，控制权的转移，是所谓反转。</a:t>
+              <a:t>用白话来讲，就是由容器控制程序之间的（依赖）关系，而非传统实现中，由程序代码直接操控</a:t>
+            </a:r>
+            <a:r>
+              <a:rPr lang="zh-CN" altLang="en-US" sz="1800" dirty="0" smtClean="0"/>
+              <a:t>。</a:t>
+            </a:r>
+            <a:endParaRPr lang="en-CA" altLang="zh-CN" sz="1800" dirty="0" smtClean="0"/>
+          </a:p>
+          <a:p>
+            <a:pPr algn="l"/>
+            <a:r>
+              <a:rPr lang="zh-CN" altLang="en-US" sz="1800" dirty="0" smtClean="0"/>
+              <a:t>这</a:t>
+            </a:r>
+            <a:r>
+              <a:rPr lang="zh-CN" altLang="en-US" sz="1800" dirty="0"/>
+              <a:t>也就是所谓“控制反转”的概念所在：（依赖）控制权由应用代码中转到了外部容器，控制权的转移，是所谓反转。</a:t>
             </a:r>
           </a:p>
           <a:p>
@@ -13169,7 +13273,31 @@
             <a:pPr algn="l"/>
             <a:r>
               <a:rPr lang="zh-CN" altLang="en-US" sz="1800" dirty="0"/>
-              <a:t>有两种类型的实体管理器：容器型：容器型的实体管理器由容器负责实体管理器之间的协作，在一个</a:t>
+              <a:t>有两种类型的实体管理器</a:t>
+            </a:r>
+            <a:r>
+              <a:rPr lang="zh-CN" altLang="en-US" sz="1800" dirty="0" smtClean="0"/>
+              <a:t>：</a:t>
+            </a:r>
+            <a:endParaRPr lang="en-CA" altLang="zh-CN" sz="1800" dirty="0" smtClean="0"/>
+          </a:p>
+          <a:p>
+            <a:pPr algn="l"/>
+            <a:r>
+              <a:rPr lang="zh-CN" altLang="en-US" sz="1800" dirty="0" smtClean="0"/>
+              <a:t>容</a:t>
+            </a:r>
+            <a:r>
+              <a:rPr lang="zh-CN" altLang="en-US" sz="1800" dirty="0"/>
+              <a:t>器型的实体管理器由容器负</a:t>
+            </a:r>
+            <a:r>
+              <a:rPr lang="zh-CN" altLang="en-US" sz="1800" dirty="0" smtClean="0"/>
+              <a:t>责实</a:t>
+            </a:r>
+            <a:r>
+              <a:rPr lang="zh-CN" altLang="en-US" sz="1800" dirty="0"/>
+              <a:t>体管理器之间的协作，在一个</a:t>
             </a:r>
             <a:r>
               <a:rPr lang="en-US" altLang="zh-CN" sz="1800" dirty="0"/>
@@ -13193,7 +13321,27 @@
             </a:r>
             <a:r>
               <a:rPr lang="zh-CN" altLang="en-US" sz="1800" dirty="0"/>
-              <a:t>应用服务器提供的就是管理型的实体管理器；应用程序型：实体管理器的生命周期由应用程序控制，应用程序通过</a:t>
+              <a:t>应用服务器提供的就是管理型的实体管理器</a:t>
+            </a:r>
+            <a:r>
+              <a:rPr lang="zh-CN" altLang="en-US" sz="1800" dirty="0" smtClean="0"/>
+              <a:t>；</a:t>
+            </a:r>
+            <a:endParaRPr lang="en-CA" altLang="zh-CN" sz="1800" dirty="0" smtClean="0"/>
+          </a:p>
+          <a:p>
+            <a:pPr algn="l"/>
+            <a:endParaRPr lang="en-CA" altLang="zh-CN" sz="1800" dirty="0"/>
+          </a:p>
+          <a:p>
+            <a:pPr algn="l"/>
+            <a:r>
+              <a:rPr lang="zh-CN" altLang="en-US" sz="1800" dirty="0" smtClean="0"/>
+              <a:t>应</a:t>
+            </a:r>
+            <a:r>
+              <a:rPr lang="zh-CN" altLang="en-US" sz="1800" dirty="0"/>
+              <a:t>用程序型：实体管理器的生命周期由应用程序控制，应用程序通过</a:t>
             </a:r>
             <a:r>
               <a:rPr lang="en-US" altLang="zh-CN" sz="1800" dirty="0" err="1"/>
